--- a/documentation/MergeTools.pptx
+++ b/documentation/MergeTools.pptx
@@ -7354,8 +7354,16 @@
           <a:lstStyle/>
           <a:p>
             <a:r>
+              <a:rPr lang="en-US" dirty="0" err="1" smtClean="0"/>
+              <a:t>DragonFly</a:t>
+            </a:r>
+            <a:r>
               <a:rPr lang="en-US" dirty="0" smtClean="0"/>
-              <a:t>DragonFly</a:t>
+              <a:t> </a:t>
+            </a:r>
+            <a:r>
+              <a:rPr lang="en-US" sz="1400" dirty="0" smtClean="0"/>
+              <a:t>© IBM 2015, 2015</a:t>
             </a:r>
             <a:endParaRPr lang="en-US" dirty="0"/>
           </a:p>
